--- a/SPQR spacetime model fit metrics.pptx
+++ b/SPQR spacetime model fit metrics.pptx
@@ -5,16 +5,18 @@
     <p:sldMasterId id="2147483648" r:id="rId1"/>
   </p:sldMasterIdLst>
   <p:notesMasterIdLst>
-    <p:notesMasterId r:id="rId9"/>
+    <p:notesMasterId r:id="rId11"/>
   </p:notesMasterIdLst>
   <p:sldIdLst>
     <p:sldId id="256" r:id="rId2"/>
     <p:sldId id="262" r:id="rId3"/>
     <p:sldId id="257" r:id="rId4"/>
     <p:sldId id="258" r:id="rId5"/>
-    <p:sldId id="259" r:id="rId6"/>
-    <p:sldId id="260" r:id="rId7"/>
-    <p:sldId id="261" r:id="rId8"/>
+    <p:sldId id="264" r:id="rId6"/>
+    <p:sldId id="259" r:id="rId7"/>
+    <p:sldId id="260" r:id="rId8"/>
+    <p:sldId id="261" r:id="rId9"/>
+    <p:sldId id="263" r:id="rId10"/>
   </p:sldIdLst>
   <p:sldSz cx="12192000" cy="6858000"/>
   <p:notesSz cx="6858000" cy="9144000"/>
@@ -203,7 +205,7 @@
           <a:p>
             <a:fld id="{2C6C4CED-7251-4FE6-AFFA-1750A2F7719E}" type="datetimeFigureOut">
               <a:rPr lang="en-US" smtClean="0"/>
-              <a:t>6/18/2024</a:t>
+              <a:t>6/19/2024</a:t>
             </a:fld>
             <a:endParaRPr lang="en-US"/>
           </a:p>
@@ -535,7 +537,7 @@
           <a:p>
             <a:fld id="{BDE69AB8-F288-4553-934E-D3EAF4A36FD4}" type="slidenum">
               <a:rPr lang="en-US" smtClean="0"/>
-              <a:t>5</a:t>
+              <a:t>6</a:t>
             </a:fld>
             <a:endParaRPr lang="en-US"/>
           </a:p>
@@ -701,7 +703,7 @@
           <a:p>
             <a:fld id="{38CD7C7B-0749-4755-8D1D-A04F24AF8337}" type="datetimeFigureOut">
               <a:rPr lang="en-US" smtClean="0"/>
-              <a:t>6/18/2024</a:t>
+              <a:t>6/19/2024</a:t>
             </a:fld>
             <a:endParaRPr lang="en-US"/>
           </a:p>
@@ -899,7 +901,7 @@
           <a:p>
             <a:fld id="{38CD7C7B-0749-4755-8D1D-A04F24AF8337}" type="datetimeFigureOut">
               <a:rPr lang="en-US" smtClean="0"/>
-              <a:t>6/18/2024</a:t>
+              <a:t>6/19/2024</a:t>
             </a:fld>
             <a:endParaRPr lang="en-US"/>
           </a:p>
@@ -1107,7 +1109,7 @@
           <a:p>
             <a:fld id="{38CD7C7B-0749-4755-8D1D-A04F24AF8337}" type="datetimeFigureOut">
               <a:rPr lang="en-US" smtClean="0"/>
-              <a:t>6/18/2024</a:t>
+              <a:t>6/19/2024</a:t>
             </a:fld>
             <a:endParaRPr lang="en-US"/>
           </a:p>
@@ -1305,7 +1307,7 @@
           <a:p>
             <a:fld id="{38CD7C7B-0749-4755-8D1D-A04F24AF8337}" type="datetimeFigureOut">
               <a:rPr lang="en-US" smtClean="0"/>
-              <a:t>6/18/2024</a:t>
+              <a:t>6/19/2024</a:t>
             </a:fld>
             <a:endParaRPr lang="en-US"/>
           </a:p>
@@ -1580,7 +1582,7 @@
           <a:p>
             <a:fld id="{38CD7C7B-0749-4755-8D1D-A04F24AF8337}" type="datetimeFigureOut">
               <a:rPr lang="en-US" smtClean="0"/>
-              <a:t>6/18/2024</a:t>
+              <a:t>6/19/2024</a:t>
             </a:fld>
             <a:endParaRPr lang="en-US"/>
           </a:p>
@@ -1845,7 +1847,7 @@
           <a:p>
             <a:fld id="{38CD7C7B-0749-4755-8D1D-A04F24AF8337}" type="datetimeFigureOut">
               <a:rPr lang="en-US" smtClean="0"/>
-              <a:t>6/18/2024</a:t>
+              <a:t>6/19/2024</a:t>
             </a:fld>
             <a:endParaRPr lang="en-US"/>
           </a:p>
@@ -2257,7 +2259,7 @@
           <a:p>
             <a:fld id="{38CD7C7B-0749-4755-8D1D-A04F24AF8337}" type="datetimeFigureOut">
               <a:rPr lang="en-US" smtClean="0"/>
-              <a:t>6/18/2024</a:t>
+              <a:t>6/19/2024</a:t>
             </a:fld>
             <a:endParaRPr lang="en-US"/>
           </a:p>
@@ -2398,7 +2400,7 @@
           <a:p>
             <a:fld id="{38CD7C7B-0749-4755-8D1D-A04F24AF8337}" type="datetimeFigureOut">
               <a:rPr lang="en-US" smtClean="0"/>
-              <a:t>6/18/2024</a:t>
+              <a:t>6/19/2024</a:t>
             </a:fld>
             <a:endParaRPr lang="en-US"/>
           </a:p>
@@ -2511,7 +2513,7 @@
           <a:p>
             <a:fld id="{38CD7C7B-0749-4755-8D1D-A04F24AF8337}" type="datetimeFigureOut">
               <a:rPr lang="en-US" smtClean="0"/>
-              <a:t>6/18/2024</a:t>
+              <a:t>6/19/2024</a:t>
             </a:fld>
             <a:endParaRPr lang="en-US"/>
           </a:p>
@@ -2822,7 +2824,7 @@
           <a:p>
             <a:fld id="{38CD7C7B-0749-4755-8D1D-A04F24AF8337}" type="datetimeFigureOut">
               <a:rPr lang="en-US" smtClean="0"/>
-              <a:t>6/18/2024</a:t>
+              <a:t>6/19/2024</a:t>
             </a:fld>
             <a:endParaRPr lang="en-US"/>
           </a:p>
@@ -3110,7 +3112,7 @@
           <a:p>
             <a:fld id="{38CD7C7B-0749-4755-8D1D-A04F24AF8337}" type="datetimeFigureOut">
               <a:rPr lang="en-US" smtClean="0"/>
-              <a:t>6/18/2024</a:t>
+              <a:t>6/19/2024</a:t>
             </a:fld>
             <a:endParaRPr lang="en-US"/>
           </a:p>
@@ -3351,7 +3353,7 @@
           <a:p>
             <a:fld id="{38CD7C7B-0749-4755-8D1D-A04F24AF8337}" type="datetimeFigureOut">
               <a:rPr lang="en-US" smtClean="0"/>
-              <a:t>6/18/2024</a:t>
+              <a:t>6/19/2024</a:t>
             </a:fld>
             <a:endParaRPr lang="en-US"/>
           </a:p>
@@ -4546,12 +4548,37 @@
           <a:chExt cx="0" cy="0"/>
         </a:xfrm>
       </p:grpSpPr>
+      <p:sp>
+        <p:nvSpPr>
+          <p:cNvPr id="2" name="Title 1">
+            <a:extLst>
+              <a:ext uri="{FF2B5EF4-FFF2-40B4-BE49-F238E27FC236}">
+                <a16:creationId xmlns:a16="http://schemas.microsoft.com/office/drawing/2014/main" id="{11414BC0-C776-2561-BBA2-4E4343981251}"/>
+              </a:ext>
+            </a:extLst>
+          </p:cNvPr>
+          <p:cNvSpPr>
+            <a:spLocks noGrp="1"/>
+          </p:cNvSpPr>
+          <p:nvPr>
+            <p:ph type="title"/>
+          </p:nvPr>
+        </p:nvSpPr>
+        <p:spPr/>
+        <p:txBody>
+          <a:bodyPr/>
+          <a:lstStyle/>
+          <a:p>
+            <a:endParaRPr lang="en-US"/>
+          </a:p>
+        </p:txBody>
+      </p:sp>
       <p:pic>
         <p:nvPicPr>
-          <p:cNvPr id="5" name="Content Placeholder 4" descr="A comparison of a graph&#10;&#10;Description automatically generated with medium confidence">
-            <a:extLst>
-              <a:ext uri="{FF2B5EF4-FFF2-40B4-BE49-F238E27FC236}">
-                <a16:creationId xmlns:a16="http://schemas.microsoft.com/office/drawing/2014/main" id="{CB26D689-D15A-3E62-B899-B7BF4782CEDF}"/>
+          <p:cNvPr id="5" name="Content Placeholder 4" descr="A graph of a function&#10;&#10;Description automatically generated with medium confidence">
+            <a:extLst>
+              <a:ext uri="{FF2B5EF4-FFF2-40B4-BE49-F238E27FC236}">
+                <a16:creationId xmlns:a16="http://schemas.microsoft.com/office/drawing/2014/main" id="{F73EDA0F-3A24-7693-0661-8EE9B3450704}"/>
               </a:ext>
             </a:extLst>
           </p:cNvPr>
@@ -4563,7 +4590,7 @@
           </p:nvPr>
         </p:nvPicPr>
         <p:blipFill>
-          <a:blip r:embed="rId3">
+          <a:blip r:embed="rId2">
             <a:extLst>
               <a:ext uri="{28A0092B-C50C-407E-A947-70E740481C1C}">
                 <a14:useLocalDpi xmlns:a14="http://schemas.microsoft.com/office/drawing/2010/main" val="0"/>
@@ -4577,16 +4604,16 @@
         <p:spPr>
           <a:xfrm>
             <a:off x="0" y="0"/>
-            <a:ext cx="6867426" cy="3433713"/>
+            <a:ext cx="6858000" cy="3429000"/>
           </a:xfrm>
         </p:spPr>
       </p:pic>
       <p:pic>
         <p:nvPicPr>
-          <p:cNvPr id="7" name="Picture 6" descr="A comparison of a graph&#10;&#10;Description automatically generated with medium confidence">
-            <a:extLst>
-              <a:ext uri="{FF2B5EF4-FFF2-40B4-BE49-F238E27FC236}">
-                <a16:creationId xmlns:a16="http://schemas.microsoft.com/office/drawing/2014/main" id="{AD46CEEB-E585-C5E3-5318-6C7B05B4E58C}"/>
+          <p:cNvPr id="7" name="Picture 6" descr="A graph of a function&#10;&#10;Description automatically generated with medium confidence">
+            <a:extLst>
+              <a:ext uri="{FF2B5EF4-FFF2-40B4-BE49-F238E27FC236}">
+                <a16:creationId xmlns:a16="http://schemas.microsoft.com/office/drawing/2014/main" id="{B306B109-F798-78A3-00FE-27DDF405A144}"/>
               </a:ext>
             </a:extLst>
           </p:cNvPr>
@@ -4596,7 +4623,7 @@
           <p:nvPr/>
         </p:nvPicPr>
         <p:blipFill>
-          <a:blip r:embed="rId4">
+          <a:blip r:embed="rId3">
             <a:extLst>
               <a:ext uri="{28A0092B-C50C-407E-A947-70E740481C1C}">
                 <a14:useLocalDpi xmlns:a14="http://schemas.microsoft.com/office/drawing/2010/main" val="0"/>
@@ -4609,8 +4636,8 @@
         </p:blipFill>
         <p:spPr>
           <a:xfrm>
-            <a:off x="0" y="3424287"/>
-            <a:ext cx="6867426" cy="3433713"/>
+            <a:off x="0" y="3345656"/>
+            <a:ext cx="6858000" cy="3429000"/>
           </a:xfrm>
           <a:prstGeom prst="rect">
             <a:avLst/>
@@ -4622,7 +4649,7 @@
           <p:cNvPr id="8" name="TextBox 7">
             <a:extLst>
               <a:ext uri="{FF2B5EF4-FFF2-40B4-BE49-F238E27FC236}">
-                <a16:creationId xmlns:a16="http://schemas.microsoft.com/office/drawing/2014/main" id="{A58777F6-35F3-4231-F15C-C55CA78BBE06}"/>
+                <a16:creationId xmlns:a16="http://schemas.microsoft.com/office/drawing/2014/main" id="{4868DC6E-C663-F517-42EC-C4DD19EB54F2}"/>
               </a:ext>
             </a:extLst>
           </p:cNvPr>
@@ -4631,8 +4658,8 @@
         </p:nvSpPr>
         <p:spPr>
           <a:xfrm>
-            <a:off x="6994689" y="452487"/>
-            <a:ext cx="4703975" cy="2031325"/>
+            <a:off x="7964424" y="438912"/>
+            <a:ext cx="3474720" cy="646331"/>
           </a:xfrm>
           <a:prstGeom prst="rect">
             <a:avLst/>
@@ -4645,51 +4672,15 @@
           </a:bodyPr>
           <a:lstStyle/>
           <a:p>
-            <a:pPr marL="285750" indent="-285750">
-              <a:buFont typeface="Arial" panose="020B0604020202020204" pitchFamily="34" charset="0"/>
-              <a:buChar char="•"/>
-            </a:pPr>
             <a:r>
               <a:rPr lang="en-US" dirty="0"/>
-              <a:t>Autocorrelations at each grid cell and each month (25 x 12 values)</a:t>
-            </a:r>
-          </a:p>
-          <a:p>
-            <a:pPr marL="285750" indent="-285750">
-              <a:buFont typeface="Arial" panose="020B0604020202020204" pitchFamily="34" charset="0"/>
-              <a:buChar char="•"/>
-            </a:pPr>
+              <a:t>SW on top, SE at the bottom</a:t>
+            </a:r>
+          </a:p>
+          <a:p>
             <a:r>
               <a:rPr lang="en-US" dirty="0"/>
-              <a:t>SW on top, SE in the bottom</a:t>
-            </a:r>
-          </a:p>
-          <a:p>
-            <a:pPr marL="285750" indent="-285750">
-              <a:buFont typeface="Arial" panose="020B0604020202020204" pitchFamily="34" charset="0"/>
-              <a:buChar char="•"/>
-            </a:pPr>
-            <a:r>
-              <a:rPr lang="en-US" dirty="0"/>
-              <a:t>SE has less variability, but low </a:t>
-            </a:r>
-            <a:r>
-              <a:rPr lang="en-US" dirty="0" err="1"/>
-              <a:t>prcp</a:t>
-            </a:r>
-            <a:r>
-              <a:rPr lang="en-US" dirty="0"/>
-              <a:t> has more bias</a:t>
-            </a:r>
-          </a:p>
-          <a:p>
-            <a:pPr marL="285750" indent="-285750">
-              <a:buFont typeface="Arial" panose="020B0604020202020204" pitchFamily="34" charset="0"/>
-              <a:buChar char="•"/>
-            </a:pPr>
-            <a:r>
-              <a:rPr lang="en-US" dirty="0"/>
-              <a:t>I don’t have the autocorrelations for the GCM data saved, but I can overlay those</a:t>
+              <a:t>All months, all locations</a:t>
             </a:r>
           </a:p>
         </p:txBody>
@@ -4697,7 +4688,7 @@
     </p:spTree>
     <p:extLst>
       <p:ext uri="{BB962C8B-B14F-4D97-AF65-F5344CB8AC3E}">
-        <p14:creationId xmlns:p14="http://schemas.microsoft.com/office/powerpoint/2010/main" val="2128095723"/>
+        <p14:creationId xmlns:p14="http://schemas.microsoft.com/office/powerpoint/2010/main" val="2275704451"/>
       </p:ext>
     </p:extLst>
   </p:cSld>
@@ -4724,37 +4715,12 @@
           <a:chExt cx="0" cy="0"/>
         </a:xfrm>
       </p:grpSpPr>
-      <p:sp>
-        <p:nvSpPr>
-          <p:cNvPr id="2" name="Title 1">
-            <a:extLst>
-              <a:ext uri="{FF2B5EF4-FFF2-40B4-BE49-F238E27FC236}">
-                <a16:creationId xmlns:a16="http://schemas.microsoft.com/office/drawing/2014/main" id="{BEA32414-7578-6490-7B54-EA2B864ECA93}"/>
-              </a:ext>
-            </a:extLst>
-          </p:cNvPr>
-          <p:cNvSpPr>
-            <a:spLocks noGrp="1"/>
-          </p:cNvSpPr>
-          <p:nvPr>
-            <p:ph type="title"/>
-          </p:nvPr>
-        </p:nvSpPr>
-        <p:spPr/>
-        <p:txBody>
-          <a:bodyPr/>
-          <a:lstStyle/>
-          <a:p>
-            <a:endParaRPr lang="en-US"/>
-          </a:p>
-        </p:txBody>
-      </p:sp>
       <p:pic>
         <p:nvPicPr>
-          <p:cNvPr id="5" name="Content Placeholder 4" descr="A comparison of graphs with different colored lines&#10;&#10;Description automatically generated with medium confidence">
-            <a:extLst>
-              <a:ext uri="{FF2B5EF4-FFF2-40B4-BE49-F238E27FC236}">
-                <a16:creationId xmlns:a16="http://schemas.microsoft.com/office/drawing/2014/main" id="{60C45E20-0A78-FC7F-9143-BD1B48EEDF04}"/>
+          <p:cNvPr id="5" name="Content Placeholder 4" descr="A comparison of a graph&#10;&#10;Description automatically generated with medium confidence">
+            <a:extLst>
+              <a:ext uri="{FF2B5EF4-FFF2-40B4-BE49-F238E27FC236}">
+                <a16:creationId xmlns:a16="http://schemas.microsoft.com/office/drawing/2014/main" id="{CB26D689-D15A-3E62-B899-B7BF4782CEDF}"/>
               </a:ext>
             </a:extLst>
           </p:cNvPr>
@@ -4766,7 +4732,7 @@
           </p:nvPr>
         </p:nvPicPr>
         <p:blipFill>
-          <a:blip r:embed="rId2">
+          <a:blip r:embed="rId3">
             <a:extLst>
               <a:ext uri="{28A0092B-C50C-407E-A947-70E740481C1C}">
                 <a14:useLocalDpi xmlns:a14="http://schemas.microsoft.com/office/drawing/2010/main" val="0"/>
@@ -4779,17 +4745,17 @@
         </p:blipFill>
         <p:spPr>
           <a:xfrm>
-            <a:off x="0" y="2356"/>
-            <a:ext cx="6853287" cy="3426644"/>
+            <a:off x="0" y="0"/>
+            <a:ext cx="6867426" cy="3433713"/>
           </a:xfrm>
         </p:spPr>
       </p:pic>
       <p:pic>
         <p:nvPicPr>
-          <p:cNvPr id="7" name="Picture 6" descr="A comparison of graphs with numbers&#10;&#10;Description automatically generated with medium confidence">
-            <a:extLst>
-              <a:ext uri="{FF2B5EF4-FFF2-40B4-BE49-F238E27FC236}">
-                <a16:creationId xmlns:a16="http://schemas.microsoft.com/office/drawing/2014/main" id="{83C047D1-322A-B26D-D4F0-52148DFA1163}"/>
+          <p:cNvPr id="7" name="Picture 6" descr="A comparison of a graph&#10;&#10;Description automatically generated with medium confidence">
+            <a:extLst>
+              <a:ext uri="{FF2B5EF4-FFF2-40B4-BE49-F238E27FC236}">
+                <a16:creationId xmlns:a16="http://schemas.microsoft.com/office/drawing/2014/main" id="{AD46CEEB-E585-C5E3-5318-6C7B05B4E58C}"/>
               </a:ext>
             </a:extLst>
           </p:cNvPr>
@@ -4799,7 +4765,7 @@
           <p:nvPr/>
         </p:nvPicPr>
         <p:blipFill>
-          <a:blip r:embed="rId3">
+          <a:blip r:embed="rId4">
             <a:extLst>
               <a:ext uri="{28A0092B-C50C-407E-A947-70E740481C1C}">
                 <a14:useLocalDpi xmlns:a14="http://schemas.microsoft.com/office/drawing/2010/main" val="0"/>
@@ -4812,8 +4778,8 @@
         </p:blipFill>
         <p:spPr>
           <a:xfrm>
-            <a:off x="0" y="3429000"/>
-            <a:ext cx="6858000" cy="3429000"/>
+            <a:off x="0" y="3424287"/>
+            <a:ext cx="6867426" cy="3433713"/>
           </a:xfrm>
           <a:prstGeom prst="rect">
             <a:avLst/>
@@ -4825,7 +4791,7 @@
           <p:cNvPr id="8" name="TextBox 7">
             <a:extLst>
               <a:ext uri="{FF2B5EF4-FFF2-40B4-BE49-F238E27FC236}">
-                <a16:creationId xmlns:a16="http://schemas.microsoft.com/office/drawing/2014/main" id="{8FF0C724-70FD-C1C8-A945-C9E86379F28E}"/>
+                <a16:creationId xmlns:a16="http://schemas.microsoft.com/office/drawing/2014/main" id="{A58777F6-35F3-4231-F15C-C55CA78BBE06}"/>
               </a:ext>
             </a:extLst>
           </p:cNvPr>
@@ -4835,7 +4801,7 @@
         <p:spPr>
           <a:xfrm>
             <a:off x="6994689" y="452487"/>
-            <a:ext cx="4703975" cy="1754326"/>
+            <a:ext cx="4703975" cy="2031325"/>
           </a:xfrm>
           <a:prstGeom prst="rect">
             <a:avLst/>
@@ -4854,7 +4820,7 @@
             </a:pPr>
             <a:r>
               <a:rPr lang="en-US" dirty="0"/>
-              <a:t>Spatial correlations at each grid cell pair and each month (300 x 12 values)</a:t>
+              <a:t>Autocorrelations at each grid cell and each month (25 x 12 values)</a:t>
             </a:r>
           </a:p>
           <a:p>
@@ -4874,7 +4840,15 @@
             </a:pPr>
             <a:r>
               <a:rPr lang="en-US" dirty="0"/>
-              <a:t>GCM spatial correlations overlaid</a:t>
+              <a:t>SE has less variability, but low </a:t>
+            </a:r>
+            <a:r>
+              <a:rPr lang="en-US" dirty="0" err="1"/>
+              <a:t>prcp</a:t>
+            </a:r>
+            <a:r>
+              <a:rPr lang="en-US" dirty="0"/>
+              <a:t> has more bias</a:t>
             </a:r>
           </a:p>
           <a:p>
@@ -4884,17 +4858,7 @@
             </a:pPr>
             <a:r>
               <a:rPr lang="en-US" dirty="0"/>
-              <a:t>SE has less variability</a:t>
-            </a:r>
-          </a:p>
-          <a:p>
-            <a:pPr marL="285750" indent="-285750">
-              <a:buFont typeface="Arial" panose="020B0604020202020204" pitchFamily="34" charset="0"/>
-              <a:buChar char="•"/>
-            </a:pPr>
-            <a:r>
-              <a:rPr lang="en-US" dirty="0"/>
-              <a:t>Low values have more variability in all plots</a:t>
+              <a:t>I don’t have the autocorrelations for the GCM data saved, but I can overlay those</a:t>
             </a:r>
           </a:p>
         </p:txBody>
@@ -4902,7 +4866,7 @@
     </p:spTree>
     <p:extLst>
       <p:ext uri="{BB962C8B-B14F-4D97-AF65-F5344CB8AC3E}">
-        <p14:creationId xmlns:p14="http://schemas.microsoft.com/office/powerpoint/2010/main" val="1768619905"/>
+        <p14:creationId xmlns:p14="http://schemas.microsoft.com/office/powerpoint/2010/main" val="2128095723"/>
       </p:ext>
     </p:extLst>
   </p:cSld>
@@ -4934,6 +4898,211 @@
           <p:cNvPr id="2" name="Title 1">
             <a:extLst>
               <a:ext uri="{FF2B5EF4-FFF2-40B4-BE49-F238E27FC236}">
+                <a16:creationId xmlns:a16="http://schemas.microsoft.com/office/drawing/2014/main" id="{BEA32414-7578-6490-7B54-EA2B864ECA93}"/>
+              </a:ext>
+            </a:extLst>
+          </p:cNvPr>
+          <p:cNvSpPr>
+            <a:spLocks noGrp="1"/>
+          </p:cNvSpPr>
+          <p:nvPr>
+            <p:ph type="title"/>
+          </p:nvPr>
+        </p:nvSpPr>
+        <p:spPr/>
+        <p:txBody>
+          <a:bodyPr/>
+          <a:lstStyle/>
+          <a:p>
+            <a:endParaRPr lang="en-US"/>
+          </a:p>
+        </p:txBody>
+      </p:sp>
+      <p:pic>
+        <p:nvPicPr>
+          <p:cNvPr id="5" name="Content Placeholder 4" descr="A comparison of graphs with different colored lines&#10;&#10;Description automatically generated with medium confidence">
+            <a:extLst>
+              <a:ext uri="{FF2B5EF4-FFF2-40B4-BE49-F238E27FC236}">
+                <a16:creationId xmlns:a16="http://schemas.microsoft.com/office/drawing/2014/main" id="{60C45E20-0A78-FC7F-9143-BD1B48EEDF04}"/>
+              </a:ext>
+            </a:extLst>
+          </p:cNvPr>
+          <p:cNvPicPr>
+            <a:picLocks noGrp="1" noChangeAspect="1"/>
+          </p:cNvPicPr>
+          <p:nvPr>
+            <p:ph idx="1"/>
+          </p:nvPr>
+        </p:nvPicPr>
+        <p:blipFill>
+          <a:blip r:embed="rId2">
+            <a:extLst>
+              <a:ext uri="{28A0092B-C50C-407E-A947-70E740481C1C}">
+                <a14:useLocalDpi xmlns:a14="http://schemas.microsoft.com/office/drawing/2010/main" val="0"/>
+              </a:ext>
+            </a:extLst>
+          </a:blip>
+          <a:stretch>
+            <a:fillRect/>
+          </a:stretch>
+        </p:blipFill>
+        <p:spPr>
+          <a:xfrm>
+            <a:off x="0" y="2356"/>
+            <a:ext cx="6853287" cy="3426644"/>
+          </a:xfrm>
+        </p:spPr>
+      </p:pic>
+      <p:pic>
+        <p:nvPicPr>
+          <p:cNvPr id="7" name="Picture 6" descr="A comparison of graphs with numbers&#10;&#10;Description automatically generated with medium confidence">
+            <a:extLst>
+              <a:ext uri="{FF2B5EF4-FFF2-40B4-BE49-F238E27FC236}">
+                <a16:creationId xmlns:a16="http://schemas.microsoft.com/office/drawing/2014/main" id="{83C047D1-322A-B26D-D4F0-52148DFA1163}"/>
+              </a:ext>
+            </a:extLst>
+          </p:cNvPr>
+          <p:cNvPicPr>
+            <a:picLocks noChangeAspect="1"/>
+          </p:cNvPicPr>
+          <p:nvPr/>
+        </p:nvPicPr>
+        <p:blipFill>
+          <a:blip r:embed="rId3">
+            <a:extLst>
+              <a:ext uri="{28A0092B-C50C-407E-A947-70E740481C1C}">
+                <a14:useLocalDpi xmlns:a14="http://schemas.microsoft.com/office/drawing/2010/main" val="0"/>
+              </a:ext>
+            </a:extLst>
+          </a:blip>
+          <a:stretch>
+            <a:fillRect/>
+          </a:stretch>
+        </p:blipFill>
+        <p:spPr>
+          <a:xfrm>
+            <a:off x="0" y="3429000"/>
+            <a:ext cx="6858000" cy="3429000"/>
+          </a:xfrm>
+          <a:prstGeom prst="rect">
+            <a:avLst/>
+          </a:prstGeom>
+        </p:spPr>
+      </p:pic>
+      <p:sp>
+        <p:nvSpPr>
+          <p:cNvPr id="8" name="TextBox 7">
+            <a:extLst>
+              <a:ext uri="{FF2B5EF4-FFF2-40B4-BE49-F238E27FC236}">
+                <a16:creationId xmlns:a16="http://schemas.microsoft.com/office/drawing/2014/main" id="{8FF0C724-70FD-C1C8-A945-C9E86379F28E}"/>
+              </a:ext>
+            </a:extLst>
+          </p:cNvPr>
+          <p:cNvSpPr txBox="1"/>
+          <p:nvPr/>
+        </p:nvSpPr>
+        <p:spPr>
+          <a:xfrm>
+            <a:off x="6994689" y="452487"/>
+            <a:ext cx="4703975" cy="1754326"/>
+          </a:xfrm>
+          <a:prstGeom prst="rect">
+            <a:avLst/>
+          </a:prstGeom>
+          <a:noFill/>
+        </p:spPr>
+        <p:txBody>
+          <a:bodyPr wrap="square" rtlCol="0">
+            <a:spAutoFit/>
+          </a:bodyPr>
+          <a:lstStyle/>
+          <a:p>
+            <a:pPr marL="285750" indent="-285750">
+              <a:buFont typeface="Arial" panose="020B0604020202020204" pitchFamily="34" charset="0"/>
+              <a:buChar char="•"/>
+            </a:pPr>
+            <a:r>
+              <a:rPr lang="en-US" dirty="0"/>
+              <a:t>Spatial correlations at each grid cell pair and each month (300 x 12 values)</a:t>
+            </a:r>
+          </a:p>
+          <a:p>
+            <a:pPr marL="285750" indent="-285750">
+              <a:buFont typeface="Arial" panose="020B0604020202020204" pitchFamily="34" charset="0"/>
+              <a:buChar char="•"/>
+            </a:pPr>
+            <a:r>
+              <a:rPr lang="en-US" dirty="0"/>
+              <a:t>SW on top, SE in the bottom</a:t>
+            </a:r>
+          </a:p>
+          <a:p>
+            <a:pPr marL="285750" indent="-285750">
+              <a:buFont typeface="Arial" panose="020B0604020202020204" pitchFamily="34" charset="0"/>
+              <a:buChar char="•"/>
+            </a:pPr>
+            <a:r>
+              <a:rPr lang="en-US" dirty="0"/>
+              <a:t>GCM spatial correlations overlaid</a:t>
+            </a:r>
+          </a:p>
+          <a:p>
+            <a:pPr marL="285750" indent="-285750">
+              <a:buFont typeface="Arial" panose="020B0604020202020204" pitchFamily="34" charset="0"/>
+              <a:buChar char="•"/>
+            </a:pPr>
+            <a:r>
+              <a:rPr lang="en-US" dirty="0"/>
+              <a:t>SE has less variability</a:t>
+            </a:r>
+          </a:p>
+          <a:p>
+            <a:pPr marL="285750" indent="-285750">
+              <a:buFont typeface="Arial" panose="020B0604020202020204" pitchFamily="34" charset="0"/>
+              <a:buChar char="•"/>
+            </a:pPr>
+            <a:r>
+              <a:rPr lang="en-US" dirty="0"/>
+              <a:t>Low values have more variability in all plots</a:t>
+            </a:r>
+          </a:p>
+        </p:txBody>
+      </p:sp>
+    </p:spTree>
+    <p:extLst>
+      <p:ext uri="{BB962C8B-B14F-4D97-AF65-F5344CB8AC3E}">
+        <p14:creationId xmlns:p14="http://schemas.microsoft.com/office/powerpoint/2010/main" val="1768619905"/>
+      </p:ext>
+    </p:extLst>
+  </p:cSld>
+  <p:clrMapOvr>
+    <a:masterClrMapping/>
+  </p:clrMapOvr>
+</p:sld>
+</file>
+
+<file path=ppt/slides/slide8.xml><?xml version="1.0" encoding="utf-8"?>
+<p:sld xmlns:a="http://schemas.openxmlformats.org/drawingml/2006/main" xmlns:r="http://schemas.openxmlformats.org/officeDocument/2006/relationships" xmlns:p="http://schemas.openxmlformats.org/presentationml/2006/main">
+  <p:cSld>
+    <p:spTree>
+      <p:nvGrpSpPr>
+        <p:cNvPr id="1" name=""/>
+        <p:cNvGrpSpPr/>
+        <p:nvPr/>
+      </p:nvGrpSpPr>
+      <p:grpSpPr>
+        <a:xfrm>
+          <a:off x="0" y="0"/>
+          <a:ext cx="0" cy="0"/>
+          <a:chOff x="0" y="0"/>
+          <a:chExt cx="0" cy="0"/>
+        </a:xfrm>
+      </p:grpSpPr>
+      <p:sp>
+        <p:nvSpPr>
+          <p:cNvPr id="2" name="Title 1">
+            <a:extLst>
+              <a:ext uri="{FF2B5EF4-FFF2-40B4-BE49-F238E27FC236}">
                 <a16:creationId xmlns:a16="http://schemas.microsoft.com/office/drawing/2014/main" id="{B57D24F6-323F-FFFD-89A3-22ACF311D72D}"/>
               </a:ext>
             </a:extLst>
@@ -5180,6 +5349,132 @@
     <p:extLst>
       <p:ext uri="{BB962C8B-B14F-4D97-AF65-F5344CB8AC3E}">
         <p14:creationId xmlns:p14="http://schemas.microsoft.com/office/powerpoint/2010/main" val="1947249122"/>
+      </p:ext>
+    </p:extLst>
+  </p:cSld>
+  <p:clrMapOvr>
+    <a:masterClrMapping/>
+  </p:clrMapOvr>
+</p:sld>
+</file>
+
+<file path=ppt/slides/slide9.xml><?xml version="1.0" encoding="utf-8"?>
+<p:sld xmlns:a="http://schemas.openxmlformats.org/drawingml/2006/main" xmlns:r="http://schemas.openxmlformats.org/officeDocument/2006/relationships" xmlns:p="http://schemas.openxmlformats.org/presentationml/2006/main">
+  <p:cSld>
+    <p:spTree>
+      <p:nvGrpSpPr>
+        <p:cNvPr id="1" name=""/>
+        <p:cNvGrpSpPr/>
+        <p:nvPr/>
+      </p:nvGrpSpPr>
+      <p:grpSpPr>
+        <a:xfrm>
+          <a:off x="0" y="0"/>
+          <a:ext cx="0" cy="0"/>
+          <a:chOff x="0" y="0"/>
+          <a:chExt cx="0" cy="0"/>
+        </a:xfrm>
+      </p:grpSpPr>
+      <p:sp>
+        <p:nvSpPr>
+          <p:cNvPr id="2" name="Title 1">
+            <a:extLst>
+              <a:ext uri="{FF2B5EF4-FFF2-40B4-BE49-F238E27FC236}">
+                <a16:creationId xmlns:a16="http://schemas.microsoft.com/office/drawing/2014/main" id="{6564E9CA-3F5F-E8EA-9B2F-54E62993879C}"/>
+              </a:ext>
+            </a:extLst>
+          </p:cNvPr>
+          <p:cNvSpPr>
+            <a:spLocks noGrp="1"/>
+          </p:cNvSpPr>
+          <p:nvPr>
+            <p:ph type="title"/>
+          </p:nvPr>
+        </p:nvSpPr>
+        <p:spPr/>
+        <p:txBody>
+          <a:bodyPr/>
+          <a:lstStyle/>
+          <a:p>
+            <a:endParaRPr lang="en-US"/>
+          </a:p>
+        </p:txBody>
+      </p:sp>
+      <p:pic>
+        <p:nvPicPr>
+          <p:cNvPr id="11" name="Content Placeholder 10" descr="A diagram of a graph&#10;&#10;Description automatically generated">
+            <a:extLst>
+              <a:ext uri="{FF2B5EF4-FFF2-40B4-BE49-F238E27FC236}">
+                <a16:creationId xmlns:a16="http://schemas.microsoft.com/office/drawing/2014/main" id="{AF963CEE-B492-0C5E-445B-A6FD1FC99101}"/>
+              </a:ext>
+            </a:extLst>
+          </p:cNvPr>
+          <p:cNvPicPr>
+            <a:picLocks noGrp="1" noChangeAspect="1"/>
+          </p:cNvPicPr>
+          <p:nvPr>
+            <p:ph idx="1"/>
+          </p:nvPr>
+        </p:nvPicPr>
+        <p:blipFill>
+          <a:blip r:embed="rId2">
+            <a:extLst>
+              <a:ext uri="{28A0092B-C50C-407E-A947-70E740481C1C}">
+                <a14:useLocalDpi xmlns:a14="http://schemas.microsoft.com/office/drawing/2010/main" val="0"/>
+              </a:ext>
+            </a:extLst>
+          </a:blip>
+          <a:stretch>
+            <a:fillRect/>
+          </a:stretch>
+        </p:blipFill>
+        <p:spPr>
+          <a:xfrm>
+            <a:off x="838200" y="0"/>
+            <a:ext cx="10515600" cy="3505200"/>
+          </a:xfrm>
+        </p:spPr>
+      </p:pic>
+      <p:pic>
+        <p:nvPicPr>
+          <p:cNvPr id="13" name="Picture 12" descr="A graph of a graph with colored dots&#10;&#10;Description automatically generated with medium confidence">
+            <a:extLst>
+              <a:ext uri="{FF2B5EF4-FFF2-40B4-BE49-F238E27FC236}">
+                <a16:creationId xmlns:a16="http://schemas.microsoft.com/office/drawing/2014/main" id="{439995F7-D280-2B39-AF1A-9267A4BA71E0}"/>
+              </a:ext>
+            </a:extLst>
+          </p:cNvPr>
+          <p:cNvPicPr>
+            <a:picLocks noChangeAspect="1"/>
+          </p:cNvPicPr>
+          <p:nvPr/>
+        </p:nvPicPr>
+        <p:blipFill>
+          <a:blip r:embed="rId3">
+            <a:extLst>
+              <a:ext uri="{28A0092B-C50C-407E-A947-70E740481C1C}">
+                <a14:useLocalDpi xmlns:a14="http://schemas.microsoft.com/office/drawing/2010/main" val="0"/>
+              </a:ext>
+            </a:extLst>
+          </a:blip>
+          <a:stretch>
+            <a:fillRect/>
+          </a:stretch>
+        </p:blipFill>
+        <p:spPr>
+          <a:xfrm>
+            <a:off x="838200" y="3352800"/>
+            <a:ext cx="10515600" cy="3505200"/>
+          </a:xfrm>
+          <a:prstGeom prst="rect">
+            <a:avLst/>
+          </a:prstGeom>
+        </p:spPr>
+      </p:pic>
+    </p:spTree>
+    <p:extLst>
+      <p:ext uri="{BB962C8B-B14F-4D97-AF65-F5344CB8AC3E}">
+        <p14:creationId xmlns:p14="http://schemas.microsoft.com/office/powerpoint/2010/main" val="3438647292"/>
       </p:ext>
     </p:extLst>
   </p:cSld>
